--- a/Week11/W11.06. Changing Sort Order with Streams.pptx
+++ b/Week11/W11.06. Changing Sort Order with Streams.pptx
@@ -194,6 +194,65 @@
 </p:presentation>
 </file>
 
+<file path=ppt/changesInfos/changesInfo1.xml><?xml version="1.0" encoding="utf-8"?>
+<pc:chgInfo xmlns:a="http://schemas.openxmlformats.org/drawingml/2006/main" xmlns:r="http://schemas.openxmlformats.org/officeDocument/2006/relationships" xmlns:ac="http://schemas.microsoft.com/office/drawing/2013/main/command" xmlns:pc="http://schemas.microsoft.com/office/powerpoint/2013/main/command">
+  <pc:docChgLst>
+    <pc:chgData name="Chuck Kiefriter" userId="a996b49251c4dfd2" providerId="LiveId" clId="{1156B013-CA38-4FDA-A187-6ED5F21CDD82}"/>
+    <pc:docChg chg="modSld">
+      <pc:chgData name="Chuck Kiefriter" userId="a996b49251c4dfd2" providerId="LiveId" clId="{1156B013-CA38-4FDA-A187-6ED5F21CDD82}" dt="2024-02-28T01:00:25.801" v="3" actId="1076"/>
+      <pc:docMkLst>
+        <pc:docMk/>
+      </pc:docMkLst>
+      <pc:sldChg chg="modSp mod">
+        <pc:chgData name="Chuck Kiefriter" userId="a996b49251c4dfd2" providerId="LiveId" clId="{1156B013-CA38-4FDA-A187-6ED5F21CDD82}" dt="2024-02-28T00:58:17.125" v="0" actId="14100"/>
+        <pc:sldMkLst>
+          <pc:docMk/>
+          <pc:sldMk cId="2528297371" sldId="263"/>
+        </pc:sldMkLst>
+        <pc:spChg chg="mod">
+          <ac:chgData name="Chuck Kiefriter" userId="a996b49251c4dfd2" providerId="LiveId" clId="{1156B013-CA38-4FDA-A187-6ED5F21CDD82}" dt="2024-02-28T00:58:17.125" v="0" actId="14100"/>
+          <ac:spMkLst>
+            <pc:docMk/>
+            <pc:sldMk cId="2528297371" sldId="263"/>
+            <ac:spMk id="3" creationId="{85832863-7215-420C-A5AE-645F0D319884}"/>
+          </ac:spMkLst>
+        </pc:spChg>
+      </pc:sldChg>
+      <pc:sldChg chg="modSp mod">
+        <pc:chgData name="Chuck Kiefriter" userId="a996b49251c4dfd2" providerId="LiveId" clId="{1156B013-CA38-4FDA-A187-6ED5F21CDD82}" dt="2024-02-28T00:59:31.109" v="1" actId="14100"/>
+        <pc:sldMkLst>
+          <pc:docMk/>
+          <pc:sldMk cId="220995446" sldId="276"/>
+        </pc:sldMkLst>
+        <pc:spChg chg="mod">
+          <ac:chgData name="Chuck Kiefriter" userId="a996b49251c4dfd2" providerId="LiveId" clId="{1156B013-CA38-4FDA-A187-6ED5F21CDD82}" dt="2024-02-28T00:59:31.109" v="1" actId="14100"/>
+          <ac:spMkLst>
+            <pc:docMk/>
+            <pc:sldMk cId="220995446" sldId="276"/>
+            <ac:spMk id="3" creationId="{1B24B77E-A6AA-46ED-A95F-D01790074BFD}"/>
+          </ac:spMkLst>
+        </pc:spChg>
+      </pc:sldChg>
+      <pc:sldChg chg="modSp mod">
+        <pc:chgData name="Chuck Kiefriter" userId="a996b49251c4dfd2" providerId="LiveId" clId="{1156B013-CA38-4FDA-A187-6ED5F21CDD82}" dt="2024-02-28T01:00:25.801" v="3" actId="1076"/>
+        <pc:sldMkLst>
+          <pc:docMk/>
+          <pc:sldMk cId="2503986035" sldId="278"/>
+        </pc:sldMkLst>
+        <pc:spChg chg="mod">
+          <ac:chgData name="Chuck Kiefriter" userId="a996b49251c4dfd2" providerId="LiveId" clId="{1156B013-CA38-4FDA-A187-6ED5F21CDD82}" dt="2024-02-28T01:00:25.801" v="3" actId="1076"/>
+          <ac:spMkLst>
+            <pc:docMk/>
+            <pc:sldMk cId="2503986035" sldId="278"/>
+            <ac:spMk id="3" creationId="{6447FE93-9C20-48A8-A1E0-F2C635CAAF8B}"/>
+          </ac:spMkLst>
+        </pc:spChg>
+      </pc:sldChg>
+    </pc:docChg>
+  </pc:docChgLst>
+</pc:chgInfo>
+</file>
+
 <file path=ppt/notesMasters/notesMaster1.xml><?xml version="1.0" encoding="utf-8"?>
 <p:notesMaster xmlns:a="http://schemas.openxmlformats.org/drawingml/2006/main" xmlns:r="http://schemas.openxmlformats.org/officeDocument/2006/relationships" xmlns:p="http://schemas.openxmlformats.org/presentationml/2006/main">
   <p:cSld>
@@ -276,7 +335,7 @@
           <a:p>
             <a:fld id="{BF1BC3E4-C956-40CB-AFCD-8F927AFF366E}" type="datetimeFigureOut">
               <a:rPr lang="en-US" smtClean="0"/>
-              <a:t>1/17/2022</a:t>
+              <a:t>2/27/2024</a:t>
             </a:fld>
             <a:endParaRPr lang="en-US"/>
           </a:p>
@@ -883,7 +942,7 @@
           <a:p>
             <a:fld id="{548C5E67-172B-4F6A-B3B9-DEF72F952E5B}" type="datetimeFigureOut">
               <a:rPr lang="en-US" smtClean="0"/>
-              <a:t>1/17/2022</a:t>
+              <a:t>2/27/2024</a:t>
             </a:fld>
             <a:endParaRPr lang="en-US"/>
           </a:p>
@@ -1087,7 +1146,7 @@
           <a:p>
             <a:fld id="{548C5E67-172B-4F6A-B3B9-DEF72F952E5B}" type="datetimeFigureOut">
               <a:rPr lang="en-US" smtClean="0"/>
-              <a:t>1/17/2022</a:t>
+              <a:t>2/27/2024</a:t>
             </a:fld>
             <a:endParaRPr lang="en-US"/>
           </a:p>
@@ -1280,7 +1339,7 @@
           <a:p>
             <a:fld id="{548C5E67-172B-4F6A-B3B9-DEF72F952E5B}" type="datetimeFigureOut">
               <a:rPr lang="en-US" smtClean="0"/>
-              <a:t>1/17/2022</a:t>
+              <a:t>2/27/2024</a:t>
             </a:fld>
             <a:endParaRPr lang="en-US"/>
           </a:p>
@@ -2325,7 +2384,7 @@
           <a:p>
             <a:fld id="{548C5E67-172B-4F6A-B3B9-DEF72F952E5B}" type="datetimeFigureOut">
               <a:rPr lang="en-US" smtClean="0"/>
-              <a:t>1/17/2022</a:t>
+              <a:t>2/27/2024</a:t>
             </a:fld>
             <a:endParaRPr lang="en-US"/>
           </a:p>
@@ -2606,7 +2665,7 @@
           <a:p>
             <a:fld id="{548C5E67-172B-4F6A-B3B9-DEF72F952E5B}" type="datetimeFigureOut">
               <a:rPr lang="en-US" smtClean="0"/>
-              <a:t>1/17/2022</a:t>
+              <a:t>2/27/2024</a:t>
             </a:fld>
             <a:endParaRPr lang="en-US"/>
           </a:p>
@@ -4661,7 +4720,12 @@
             <p:ph idx="1"/>
           </p:nvPr>
         </p:nvSpPr>
-        <p:spPr/>
+        <p:spPr>
+          <a:xfrm>
+            <a:off x="838200" y="1825625"/>
+            <a:ext cx="10920984" cy="4351338"/>
+          </a:xfrm>
+        </p:spPr>
         <p:txBody>
           <a:bodyPr>
             <a:normAutofit/>
@@ -5563,7 +5627,7 @@
         <p:spPr>
           <a:xfrm>
             <a:off x="838200" y="1825625"/>
-            <a:ext cx="5753100" cy="4351338"/>
+            <a:ext cx="10244328" cy="4351338"/>
           </a:xfrm>
         </p:spPr>
         <p:txBody>
@@ -6491,8 +6555,8 @@
         </p:nvSpPr>
         <p:spPr>
           <a:xfrm>
-            <a:off x="838200" y="1825625"/>
-            <a:ext cx="5918200" cy="4351338"/>
+            <a:off x="170688" y="1816481"/>
+            <a:ext cx="11634216" cy="4351338"/>
           </a:xfrm>
         </p:spPr>
         <p:txBody>

--- a/Week11/W11.06. Changing Sort Order with Streams.pptx
+++ b/Week11/W11.06. Changing Sort Order with Streams.pptx
@@ -199,7 +199,7 @@
   <pc:docChgLst>
     <pc:chgData name="Chuck Kiefriter" userId="a996b49251c4dfd2" providerId="LiveId" clId="{1156B013-CA38-4FDA-A187-6ED5F21CDD82}"/>
     <pc:docChg chg="modSld">
-      <pc:chgData name="Chuck Kiefriter" userId="a996b49251c4dfd2" providerId="LiveId" clId="{1156B013-CA38-4FDA-A187-6ED5F21CDD82}" dt="2024-02-28T01:00:25.801" v="3" actId="1076"/>
+      <pc:chgData name="Chuck Kiefriter" userId="a996b49251c4dfd2" providerId="LiveId" clId="{1156B013-CA38-4FDA-A187-6ED5F21CDD82}" dt="2024-04-17T20:33:52.562" v="4" actId="14100"/>
       <pc:docMkLst>
         <pc:docMk/>
       </pc:docMkLst>
@@ -248,6 +248,21 @@
           </ac:spMkLst>
         </pc:spChg>
       </pc:sldChg>
+      <pc:sldChg chg="modSp mod">
+        <pc:chgData name="Chuck Kiefriter" userId="a996b49251c4dfd2" providerId="LiveId" clId="{1156B013-CA38-4FDA-A187-6ED5F21CDD82}" dt="2024-04-17T20:33:52.562" v="4" actId="14100"/>
+        <pc:sldMkLst>
+          <pc:docMk/>
+          <pc:sldMk cId="3846377208" sldId="279"/>
+        </pc:sldMkLst>
+        <pc:spChg chg="mod">
+          <ac:chgData name="Chuck Kiefriter" userId="a996b49251c4dfd2" providerId="LiveId" clId="{1156B013-CA38-4FDA-A187-6ED5F21CDD82}" dt="2024-04-17T20:33:52.562" v="4" actId="14100"/>
+          <ac:spMkLst>
+            <pc:docMk/>
+            <pc:sldMk cId="3846377208" sldId="279"/>
+            <ac:spMk id="3" creationId="{22681E2C-C7CF-40F6-923C-F458CCA9F217}"/>
+          </ac:spMkLst>
+        </pc:spChg>
+      </pc:sldChg>
     </pc:docChg>
   </pc:docChgLst>
 </pc:chgInfo>
@@ -335,7 +350,7 @@
           <a:p>
             <a:fld id="{BF1BC3E4-C956-40CB-AFCD-8F927AFF366E}" type="datetimeFigureOut">
               <a:rPr lang="en-US" smtClean="0"/>
-              <a:t>2/27/2024</a:t>
+              <a:t>4/17/2024</a:t>
             </a:fld>
             <a:endParaRPr lang="en-US"/>
           </a:p>
@@ -942,7 +957,7 @@
           <a:p>
             <a:fld id="{548C5E67-172B-4F6A-B3B9-DEF72F952E5B}" type="datetimeFigureOut">
               <a:rPr lang="en-US" smtClean="0"/>
-              <a:t>2/27/2024</a:t>
+              <a:t>4/17/2024</a:t>
             </a:fld>
             <a:endParaRPr lang="en-US"/>
           </a:p>
@@ -1146,7 +1161,7 @@
           <a:p>
             <a:fld id="{548C5E67-172B-4F6A-B3B9-DEF72F952E5B}" type="datetimeFigureOut">
               <a:rPr lang="en-US" smtClean="0"/>
-              <a:t>2/27/2024</a:t>
+              <a:t>4/17/2024</a:t>
             </a:fld>
             <a:endParaRPr lang="en-US"/>
           </a:p>
@@ -1339,7 +1354,7 @@
           <a:p>
             <a:fld id="{548C5E67-172B-4F6A-B3B9-DEF72F952E5B}" type="datetimeFigureOut">
               <a:rPr lang="en-US" smtClean="0"/>
-              <a:t>2/27/2024</a:t>
+              <a:t>4/17/2024</a:t>
             </a:fld>
             <a:endParaRPr lang="en-US"/>
           </a:p>
@@ -2384,7 +2399,7 @@
           <a:p>
             <a:fld id="{548C5E67-172B-4F6A-B3B9-DEF72F952E5B}" type="datetimeFigureOut">
               <a:rPr lang="en-US" smtClean="0"/>
-              <a:t>2/27/2024</a:t>
+              <a:t>4/17/2024</a:t>
             </a:fld>
             <a:endParaRPr lang="en-US"/>
           </a:p>
@@ -2665,7 +2680,7 @@
           <a:p>
             <a:fld id="{548C5E67-172B-4F6A-B3B9-DEF72F952E5B}" type="datetimeFigureOut">
               <a:rPr lang="en-US" smtClean="0"/>
-              <a:t>2/27/2024</a:t>
+              <a:t>4/17/2024</a:t>
             </a:fld>
             <a:endParaRPr lang="en-US"/>
           </a:p>
@@ -6850,7 +6865,7 @@
         <p:spPr>
           <a:xfrm>
             <a:off x="838200" y="1825625"/>
-            <a:ext cx="5867400" cy="4351338"/>
+            <a:ext cx="8808720" cy="4351338"/>
           </a:xfrm>
         </p:spPr>
         <p:txBody>
